--- a/Adv Tpcs Rsrch Mthds & Dsgn/final/YC-final.pptx
+++ b/Adv Tpcs Rsrch Mthds & Dsgn/final/YC-final.pptx
@@ -224,7 +224,7 @@
           <a:p>
             <a:fld id="{B059437F-BA9F-3141-88E8-CDD6BE4E6788}" type="datetimeFigureOut">
               <a:rPr lang="en-US" smtClean="0"/>
-              <a:t>4/24/20</a:t>
+              <a:t>4/29/20</a:t>
             </a:fld>
             <a:endParaRPr lang="en-US"/>
           </a:p>
@@ -2292,7 +2292,7 @@
           <a:p>
             <a:fld id="{1AA5BBF3-2105-DC4C-A819-13776D7FF265}" type="datetimeFigureOut">
               <a:rPr lang="en-US" smtClean="0"/>
-              <a:t>4/24/20</a:t>
+              <a:t>4/29/20</a:t>
             </a:fld>
             <a:endParaRPr lang="en-US"/>
           </a:p>
@@ -2490,7 +2490,7 @@
           <a:p>
             <a:fld id="{1AA5BBF3-2105-DC4C-A819-13776D7FF265}" type="datetimeFigureOut">
               <a:rPr lang="en-US" smtClean="0"/>
-              <a:t>4/24/20</a:t>
+              <a:t>4/29/20</a:t>
             </a:fld>
             <a:endParaRPr lang="en-US"/>
           </a:p>
@@ -2665,7 +2665,7 @@
           <a:p>
             <a:fld id="{1AA5BBF3-2105-DC4C-A819-13776D7FF265}" type="datetimeFigureOut">
               <a:rPr lang="en-US" smtClean="0"/>
-              <a:t>4/24/20</a:t>
+              <a:t>4/29/20</a:t>
             </a:fld>
             <a:endParaRPr lang="en-US"/>
           </a:p>
@@ -2828,7 +2828,7 @@
           <a:p>
             <a:fld id="{1AA5BBF3-2105-DC4C-A819-13776D7FF265}" type="datetimeFigureOut">
               <a:rPr lang="en-US" smtClean="0"/>
-              <a:t>4/24/20</a:t>
+              <a:t>4/29/20</a:t>
             </a:fld>
             <a:endParaRPr lang="en-US"/>
           </a:p>
@@ -3076,7 +3076,7 @@
           <a:p>
             <a:fld id="{1AA5BBF3-2105-DC4C-A819-13776D7FF265}" type="datetimeFigureOut">
               <a:rPr lang="en-US" smtClean="0"/>
-              <a:t>4/24/20</a:t>
+              <a:t>4/29/20</a:t>
             </a:fld>
             <a:endParaRPr lang="en-US"/>
           </a:p>
@@ -3393,7 +3393,7 @@
           <a:p>
             <a:fld id="{1AA5BBF3-2105-DC4C-A819-13776D7FF265}" type="datetimeFigureOut">
               <a:rPr lang="en-US" smtClean="0"/>
-              <a:t>4/24/20</a:t>
+              <a:t>4/29/20</a:t>
             </a:fld>
             <a:endParaRPr lang="en-US"/>
           </a:p>
@@ -3859,7 +3859,7 @@
           <a:p>
             <a:fld id="{1AA5BBF3-2105-DC4C-A819-13776D7FF265}" type="datetimeFigureOut">
               <a:rPr lang="en-US" smtClean="0"/>
-              <a:t>4/24/20</a:t>
+              <a:t>4/29/20</a:t>
             </a:fld>
             <a:endParaRPr lang="en-US"/>
           </a:p>
@@ -4006,7 +4006,7 @@
           <a:p>
             <a:fld id="{1AA5BBF3-2105-DC4C-A819-13776D7FF265}" type="datetimeFigureOut">
               <a:rPr lang="en-US" smtClean="0"/>
-              <a:t>4/24/20</a:t>
+              <a:t>4/29/20</a:t>
             </a:fld>
             <a:endParaRPr lang="en-US"/>
           </a:p>
@@ -4096,7 +4096,7 @@
           <a:p>
             <a:fld id="{1AA5BBF3-2105-DC4C-A819-13776D7FF265}" type="datetimeFigureOut">
               <a:rPr lang="en-US" smtClean="0"/>
-              <a:t>4/24/20</a:t>
+              <a:t>4/29/20</a:t>
             </a:fld>
             <a:endParaRPr lang="en-US"/>
           </a:p>
@@ -4370,7 +4370,7 @@
           <a:p>
             <a:fld id="{1AA5BBF3-2105-DC4C-A819-13776D7FF265}" type="datetimeFigureOut">
               <a:rPr lang="en-US" smtClean="0"/>
-              <a:t>4/24/20</a:t>
+              <a:t>4/29/20</a:t>
             </a:fld>
             <a:endParaRPr lang="en-US"/>
           </a:p>
@@ -4675,7 +4675,7 @@
           <a:p>
             <a:fld id="{1AA5BBF3-2105-DC4C-A819-13776D7FF265}" type="datetimeFigureOut">
               <a:rPr lang="en-US" smtClean="0"/>
-              <a:t>4/24/20</a:t>
+              <a:t>4/29/20</a:t>
             </a:fld>
             <a:endParaRPr lang="en-US"/>
           </a:p>
@@ -4973,7 +4973,7 @@
           <a:p>
             <a:fld id="{1AA5BBF3-2105-DC4C-A819-13776D7FF265}" type="datetimeFigureOut">
               <a:rPr lang="en-US" smtClean="0"/>
-              <a:t>4/24/20</a:t>
+              <a:t>4/29/20</a:t>
             </a:fld>
             <a:endParaRPr lang="en-US"/>
           </a:p>
@@ -5830,8 +5830,8 @@
         </p:blipFill>
         <p:spPr>
           <a:xfrm>
-            <a:off x="819622" y="958377"/>
-            <a:ext cx="11408755" cy="5342061"/>
+            <a:off x="819623" y="991830"/>
+            <a:ext cx="11268746" cy="5342061"/>
           </a:xfrm>
           <a:prstGeom prst="rect">
             <a:avLst/>
@@ -10242,7 +10242,7 @@
           <p:nvPr>
             <p:extLst>
               <p:ext uri="{D42A27DB-BD31-4B8C-83A1-F6EECF244321}">
-                <p14:modId xmlns:p14="http://schemas.microsoft.com/office/powerpoint/2010/main" val="293733317"/>
+                <p14:modId xmlns:p14="http://schemas.microsoft.com/office/powerpoint/2010/main" val="1647322381"/>
               </p:ext>
             </p:extLst>
           </p:nvPr>
@@ -12228,6 +12228,10 @@
                         <a:tabLst/>
                         <a:defRPr/>
                       </a:pPr>
+                      <a:r>
+                        <a:rPr lang="en-US" altLang="zh-CN" sz="1300" b="1" dirty="0"/>
+                        <a:t>-</a:t>
+                      </a:r>
                       <a:r>
                         <a:rPr lang="en-US" sz="1300" b="1" dirty="0"/>
                         <a:t>1.094</a:t>
@@ -17593,7 +17597,7 @@
           <p:nvPr>
             <p:extLst>
               <p:ext uri="{D42A27DB-BD31-4B8C-83A1-F6EECF244321}">
-                <p14:modId xmlns:p14="http://schemas.microsoft.com/office/powerpoint/2010/main" val="1233497172"/>
+                <p14:modId xmlns:p14="http://schemas.microsoft.com/office/powerpoint/2010/main" val="318015136"/>
               </p:ext>
             </p:extLst>
           </p:nvPr>
@@ -19617,7 +19621,7 @@
         <p:spPr/>
         <p:txBody>
           <a:bodyPr>
-            <a:normAutofit lnSpcReduction="10000"/>
+            <a:normAutofit fontScale="92500" lnSpcReduction="10000"/>
           </a:bodyPr>
           <a:lstStyle/>
           <a:p>
@@ -20574,6 +20578,188 @@
                 <a:latin typeface="Times New Roman" panose="02020603050405020304" pitchFamily="18" charset="0"/>
                 <a:cs typeface="Times New Roman" panose="02020603050405020304" pitchFamily="18" charset="0"/>
               </a:rPr>
+              <a:t>classes</a:t>
+            </a:r>
+            <a:r>
+              <a:rPr lang="zh-CN" altLang="en-US" dirty="0">
+                <a:latin typeface="Times New Roman" panose="02020603050405020304" pitchFamily="18" charset="0"/>
+                <a:cs typeface="Times New Roman" panose="02020603050405020304" pitchFamily="18" charset="0"/>
+              </a:rPr>
+              <a:t> </a:t>
+            </a:r>
+            <a:r>
+              <a:rPr lang="en-US" altLang="zh-CN" dirty="0">
+                <a:latin typeface="Times New Roman" panose="02020603050405020304" pitchFamily="18" charset="0"/>
+                <a:cs typeface="Times New Roman" panose="02020603050405020304" pitchFamily="18" charset="0"/>
+              </a:rPr>
+              <a:t>are</a:t>
+            </a:r>
+            <a:r>
+              <a:rPr lang="zh-CN" altLang="en-US" dirty="0">
+                <a:latin typeface="Times New Roman" panose="02020603050405020304" pitchFamily="18" charset="0"/>
+                <a:cs typeface="Times New Roman" panose="02020603050405020304" pitchFamily="18" charset="0"/>
+              </a:rPr>
+              <a:t> </a:t>
+            </a:r>
+            <a:r>
+              <a:rPr lang="en-US" altLang="zh-CN" dirty="0">
+                <a:latin typeface="Times New Roman" panose="02020603050405020304" pitchFamily="18" charset="0"/>
+                <a:cs typeface="Times New Roman" panose="02020603050405020304" pitchFamily="18" charset="0"/>
+              </a:rPr>
+              <a:t>modeled</a:t>
+            </a:r>
+            <a:r>
+              <a:rPr lang="zh-CN" altLang="en-US" dirty="0">
+                <a:latin typeface="Times New Roman" panose="02020603050405020304" pitchFamily="18" charset="0"/>
+                <a:cs typeface="Times New Roman" panose="02020603050405020304" pitchFamily="18" charset="0"/>
+              </a:rPr>
+              <a:t> </a:t>
+            </a:r>
+            <a:r>
+              <a:rPr lang="en-US" altLang="zh-CN" dirty="0">
+                <a:latin typeface="Times New Roman" panose="02020603050405020304" pitchFamily="18" charset="0"/>
+                <a:cs typeface="Times New Roman" panose="02020603050405020304" pitchFamily="18" charset="0"/>
+              </a:rPr>
+              <a:t>as</a:t>
+            </a:r>
+            <a:r>
+              <a:rPr lang="zh-CN" altLang="en-US" dirty="0">
+                <a:latin typeface="Times New Roman" panose="02020603050405020304" pitchFamily="18" charset="0"/>
+                <a:cs typeface="Times New Roman" panose="02020603050405020304" pitchFamily="18" charset="0"/>
+              </a:rPr>
+              <a:t> </a:t>
+            </a:r>
+            <a:r>
+              <a:rPr lang="en-US" altLang="zh-CN" dirty="0">
+                <a:latin typeface="Times New Roman" panose="02020603050405020304" pitchFamily="18" charset="0"/>
+                <a:cs typeface="Times New Roman" panose="02020603050405020304" pitchFamily="18" charset="0"/>
+              </a:rPr>
+              <a:t>the</a:t>
+            </a:r>
+            <a:r>
+              <a:rPr lang="zh-CN" altLang="en-US" dirty="0">
+                <a:latin typeface="Times New Roman" panose="02020603050405020304" pitchFamily="18" charset="0"/>
+                <a:cs typeface="Times New Roman" panose="02020603050405020304" pitchFamily="18" charset="0"/>
+              </a:rPr>
+              <a:t> </a:t>
+            </a:r>
+            <a:r>
+              <a:rPr lang="en-US" altLang="zh-CN" dirty="0">
+                <a:latin typeface="Times New Roman" panose="02020603050405020304" pitchFamily="18" charset="0"/>
+                <a:cs typeface="Times New Roman" panose="02020603050405020304" pitchFamily="18" charset="0"/>
+              </a:rPr>
+              <a:t>mediator</a:t>
+            </a:r>
+            <a:r>
+              <a:rPr lang="zh-CN" altLang="en-US" dirty="0">
+                <a:latin typeface="Times New Roman" panose="02020603050405020304" pitchFamily="18" charset="0"/>
+                <a:cs typeface="Times New Roman" panose="02020603050405020304" pitchFamily="18" charset="0"/>
+              </a:rPr>
+              <a:t> </a:t>
+            </a:r>
+            <a:r>
+              <a:rPr lang="en-US" altLang="zh-CN" dirty="0">
+                <a:latin typeface="Times New Roman" panose="02020603050405020304" pitchFamily="18" charset="0"/>
+                <a:cs typeface="Times New Roman" panose="02020603050405020304" pitchFamily="18" charset="0"/>
+              </a:rPr>
+              <a:t>which</a:t>
+            </a:r>
+            <a:r>
+              <a:rPr lang="zh-CN" altLang="en-US" dirty="0">
+                <a:latin typeface="Times New Roman" panose="02020603050405020304" pitchFamily="18" charset="0"/>
+                <a:cs typeface="Times New Roman" panose="02020603050405020304" pitchFamily="18" charset="0"/>
+              </a:rPr>
+              <a:t> </a:t>
+            </a:r>
+            <a:r>
+              <a:rPr lang="en-US" altLang="zh-CN" dirty="0">
+                <a:latin typeface="Times New Roman" panose="02020603050405020304" pitchFamily="18" charset="0"/>
+                <a:cs typeface="Times New Roman" panose="02020603050405020304" pitchFamily="18" charset="0"/>
+              </a:rPr>
+              <a:t>cannot</a:t>
+            </a:r>
+            <a:r>
+              <a:rPr lang="zh-CN" altLang="en-US" dirty="0">
+                <a:latin typeface="Times New Roman" panose="02020603050405020304" pitchFamily="18" charset="0"/>
+                <a:cs typeface="Times New Roman" panose="02020603050405020304" pitchFamily="18" charset="0"/>
+              </a:rPr>
+              <a:t> </a:t>
+            </a:r>
+            <a:r>
+              <a:rPr lang="en-US" altLang="zh-CN" dirty="0">
+                <a:latin typeface="Times New Roman" panose="02020603050405020304" pitchFamily="18" charset="0"/>
+                <a:cs typeface="Times New Roman" panose="02020603050405020304" pitchFamily="18" charset="0"/>
+              </a:rPr>
+              <a:t>gives</a:t>
+            </a:r>
+            <a:r>
+              <a:rPr lang="zh-CN" altLang="en-US" dirty="0">
+                <a:latin typeface="Times New Roman" panose="02020603050405020304" pitchFamily="18" charset="0"/>
+                <a:cs typeface="Times New Roman" panose="02020603050405020304" pitchFamily="18" charset="0"/>
+              </a:rPr>
+              <a:t> </a:t>
+            </a:r>
+            <a:r>
+              <a:rPr lang="en-US" altLang="zh-CN" dirty="0">
+                <a:latin typeface="Times New Roman" panose="02020603050405020304" pitchFamily="18" charset="0"/>
+                <a:cs typeface="Times New Roman" panose="02020603050405020304" pitchFamily="18" charset="0"/>
+              </a:rPr>
+              <a:t>the</a:t>
+            </a:r>
+            <a:r>
+              <a:rPr lang="zh-CN" altLang="en-US" dirty="0">
+                <a:latin typeface="Times New Roman" panose="02020603050405020304" pitchFamily="18" charset="0"/>
+                <a:cs typeface="Times New Roman" panose="02020603050405020304" pitchFamily="18" charset="0"/>
+              </a:rPr>
+              <a:t> </a:t>
+            </a:r>
+            <a:r>
+              <a:rPr lang="en-US" altLang="zh-CN" dirty="0">
+                <a:latin typeface="Times New Roman" panose="02020603050405020304" pitchFamily="18" charset="0"/>
+                <a:cs typeface="Times New Roman" panose="02020603050405020304" pitchFamily="18" charset="0"/>
+              </a:rPr>
+              <a:t>independent</a:t>
+            </a:r>
+            <a:r>
+              <a:rPr lang="zh-CN" altLang="en-US" dirty="0">
+                <a:latin typeface="Times New Roman" panose="02020603050405020304" pitchFamily="18" charset="0"/>
+                <a:cs typeface="Times New Roman" panose="02020603050405020304" pitchFamily="18" charset="0"/>
+              </a:rPr>
+              <a:t> </a:t>
+            </a:r>
+            <a:r>
+              <a:rPr lang="en-US" altLang="zh-CN" dirty="0">
+                <a:latin typeface="Times New Roman" panose="02020603050405020304" pitchFamily="18" charset="0"/>
+                <a:cs typeface="Times New Roman" panose="02020603050405020304" pitchFamily="18" charset="0"/>
+              </a:rPr>
+              <a:t>effect</a:t>
+            </a:r>
+            <a:r>
+              <a:rPr lang="zh-CN" altLang="en-US" dirty="0">
+                <a:latin typeface="Times New Roman" panose="02020603050405020304" pitchFamily="18" charset="0"/>
+                <a:cs typeface="Times New Roman" panose="02020603050405020304" pitchFamily="18" charset="0"/>
+              </a:rPr>
+              <a:t> </a:t>
+            </a:r>
+            <a:r>
+              <a:rPr lang="en-US" altLang="zh-CN" dirty="0">
+                <a:latin typeface="Times New Roman" panose="02020603050405020304" pitchFamily="18" charset="0"/>
+                <a:cs typeface="Times New Roman" panose="02020603050405020304" pitchFamily="18" charset="0"/>
+              </a:rPr>
+              <a:t>latent</a:t>
+            </a:r>
+            <a:r>
+              <a:rPr lang="zh-CN" altLang="en-US" dirty="0">
+                <a:latin typeface="Times New Roman" panose="02020603050405020304" pitchFamily="18" charset="0"/>
+                <a:cs typeface="Times New Roman" panose="02020603050405020304" pitchFamily="18" charset="0"/>
+              </a:rPr>
+              <a:t> </a:t>
+            </a:r>
+            <a:r>
+              <a:rPr lang="en-US" altLang="zh-CN" dirty="0">
+                <a:latin typeface="Times New Roman" panose="02020603050405020304" pitchFamily="18" charset="0"/>
+                <a:cs typeface="Times New Roman" panose="02020603050405020304" pitchFamily="18" charset="0"/>
+              </a:rPr>
               <a:t>class</a:t>
             </a:r>
             <a:r>
@@ -20588,7 +20774,7 @@
                 <a:latin typeface="Times New Roman" panose="02020603050405020304" pitchFamily="18" charset="0"/>
                 <a:cs typeface="Times New Roman" panose="02020603050405020304" pitchFamily="18" charset="0"/>
               </a:rPr>
-              <a:t>2</a:t>
+              <a:t>after</a:t>
             </a:r>
             <a:r>
               <a:rPr lang="zh-CN" altLang="en-US" dirty="0">
@@ -20602,7 +20788,7 @@
                 <a:latin typeface="Times New Roman" panose="02020603050405020304" pitchFamily="18" charset="0"/>
                 <a:cs typeface="Times New Roman" panose="02020603050405020304" pitchFamily="18" charset="0"/>
               </a:rPr>
-              <a:t>dominate</a:t>
+              <a:t>controlling</a:t>
             </a:r>
             <a:r>
               <a:rPr lang="zh-CN" altLang="en-US" dirty="0">
@@ -20630,7 +20816,17 @@
                 <a:latin typeface="Times New Roman" panose="02020603050405020304" pitchFamily="18" charset="0"/>
                 <a:cs typeface="Times New Roman" panose="02020603050405020304" pitchFamily="18" charset="0"/>
               </a:rPr>
-              <a:t>whole</a:t>
+              <a:t>covariates.</a:t>
+            </a:r>
+          </a:p>
+          <a:p>
+            <a:pPr lvl="1"/>
+            <a:r>
+              <a:rPr lang="en-US" altLang="zh-CN" dirty="0">
+                <a:latin typeface="Times New Roman" panose="02020603050405020304" pitchFamily="18" charset="0"/>
+                <a:cs typeface="Times New Roman" panose="02020603050405020304" pitchFamily="18" charset="0"/>
+              </a:rPr>
+              <a:t>The</a:t>
             </a:r>
             <a:r>
               <a:rPr lang="zh-CN" altLang="en-US" dirty="0">
@@ -20644,7 +20840,7 @@
                 <a:latin typeface="Times New Roman" panose="02020603050405020304" pitchFamily="18" charset="0"/>
                 <a:cs typeface="Times New Roman" panose="02020603050405020304" pitchFamily="18" charset="0"/>
               </a:rPr>
-              <a:t>sample,</a:t>
+              <a:t>overall</a:t>
             </a:r>
             <a:r>
               <a:rPr lang="zh-CN" altLang="en-US" dirty="0">
@@ -20658,7 +20854,7 @@
                 <a:latin typeface="Times New Roman" panose="02020603050405020304" pitchFamily="18" charset="0"/>
                 <a:cs typeface="Times New Roman" panose="02020603050405020304" pitchFamily="18" charset="0"/>
               </a:rPr>
-              <a:t>which</a:t>
+              <a:t>model</a:t>
             </a:r>
             <a:r>
               <a:rPr lang="zh-CN" altLang="en-US" dirty="0">
@@ -20672,7 +20868,7 @@
                 <a:latin typeface="Times New Roman" panose="02020603050405020304" pitchFamily="18" charset="0"/>
                 <a:cs typeface="Times New Roman" panose="02020603050405020304" pitchFamily="18" charset="0"/>
               </a:rPr>
-              <a:t>has</a:t>
+              <a:t>fit</a:t>
             </a:r>
             <a:r>
               <a:rPr lang="zh-CN" altLang="en-US" dirty="0">
@@ -20686,7 +20882,7 @@
                 <a:latin typeface="Times New Roman" panose="02020603050405020304" pitchFamily="18" charset="0"/>
                 <a:cs typeface="Times New Roman" panose="02020603050405020304" pitchFamily="18" charset="0"/>
               </a:rPr>
-              <a:t>high</a:t>
+              <a:t>in</a:t>
             </a:r>
             <a:r>
               <a:rPr lang="zh-CN" altLang="en-US" dirty="0">
@@ -20700,7 +20896,7 @@
                 <a:latin typeface="Times New Roman" panose="02020603050405020304" pitchFamily="18" charset="0"/>
                 <a:cs typeface="Times New Roman" panose="02020603050405020304" pitchFamily="18" charset="0"/>
               </a:rPr>
-              <a:t>value</a:t>
+              <a:t>LCA</a:t>
             </a:r>
             <a:r>
               <a:rPr lang="zh-CN" altLang="en-US" dirty="0">
@@ -20714,7 +20910,7 @@
                 <a:latin typeface="Times New Roman" panose="02020603050405020304" pitchFamily="18" charset="0"/>
                 <a:cs typeface="Times New Roman" panose="02020603050405020304" pitchFamily="18" charset="0"/>
               </a:rPr>
-              <a:t>on</a:t>
+              <a:t>need</a:t>
             </a:r>
             <a:r>
               <a:rPr lang="zh-CN" altLang="en-US" dirty="0">
@@ -20728,7 +20924,7 @@
                 <a:latin typeface="Times New Roman" panose="02020603050405020304" pitchFamily="18" charset="0"/>
                 <a:cs typeface="Times New Roman" panose="02020603050405020304" pitchFamily="18" charset="0"/>
               </a:rPr>
-              <a:t>all</a:t>
+              <a:t>to</a:t>
             </a:r>
             <a:r>
               <a:rPr lang="zh-CN" altLang="en-US" dirty="0">
@@ -20742,7 +20938,203 @@
                 <a:latin typeface="Times New Roman" panose="02020603050405020304" pitchFamily="18" charset="0"/>
                 <a:cs typeface="Times New Roman" panose="02020603050405020304" pitchFamily="18" charset="0"/>
               </a:rPr>
-              <a:t>indicators.</a:t>
+              <a:t>be</a:t>
+            </a:r>
+            <a:r>
+              <a:rPr lang="zh-CN" altLang="en-US" dirty="0">
+                <a:latin typeface="Times New Roman" panose="02020603050405020304" pitchFamily="18" charset="0"/>
+                <a:cs typeface="Times New Roman" panose="02020603050405020304" pitchFamily="18" charset="0"/>
+              </a:rPr>
+              <a:t> </a:t>
+            </a:r>
+            <a:r>
+              <a:rPr lang="en-US" altLang="zh-CN" dirty="0">
+                <a:latin typeface="Times New Roman" panose="02020603050405020304" pitchFamily="18" charset="0"/>
+                <a:cs typeface="Times New Roman" panose="02020603050405020304" pitchFamily="18" charset="0"/>
+              </a:rPr>
+              <a:t>improved</a:t>
+            </a:r>
+            <a:r>
+              <a:rPr lang="zh-CN" altLang="en-US" dirty="0">
+                <a:latin typeface="Times New Roman" panose="02020603050405020304" pitchFamily="18" charset="0"/>
+                <a:cs typeface="Times New Roman" panose="02020603050405020304" pitchFamily="18" charset="0"/>
+              </a:rPr>
+              <a:t> </a:t>
+            </a:r>
+            <a:r>
+              <a:rPr lang="en-US" altLang="zh-CN" dirty="0">
+                <a:latin typeface="Times New Roman" panose="02020603050405020304" pitchFamily="18" charset="0"/>
+                <a:cs typeface="Times New Roman" panose="02020603050405020304" pitchFamily="18" charset="0"/>
+              </a:rPr>
+              <a:t>and</a:t>
+            </a:r>
+            <a:r>
+              <a:rPr lang="zh-CN" altLang="en-US" dirty="0">
+                <a:latin typeface="Times New Roman" panose="02020603050405020304" pitchFamily="18" charset="0"/>
+                <a:cs typeface="Times New Roman" panose="02020603050405020304" pitchFamily="18" charset="0"/>
+              </a:rPr>
+              <a:t> </a:t>
+            </a:r>
+            <a:r>
+              <a:rPr lang="en-US" altLang="zh-CN" dirty="0">
+                <a:latin typeface="Times New Roman" panose="02020603050405020304" pitchFamily="18" charset="0"/>
+                <a:cs typeface="Times New Roman" panose="02020603050405020304" pitchFamily="18" charset="0"/>
+              </a:rPr>
+              <a:t>the</a:t>
+            </a:r>
+            <a:r>
+              <a:rPr lang="zh-CN" altLang="en-US" dirty="0">
+                <a:latin typeface="Times New Roman" panose="02020603050405020304" pitchFamily="18" charset="0"/>
+                <a:cs typeface="Times New Roman" panose="02020603050405020304" pitchFamily="18" charset="0"/>
+              </a:rPr>
+              <a:t> </a:t>
+            </a:r>
+            <a:r>
+              <a:rPr lang="en-US" altLang="zh-CN" dirty="0">
+                <a:latin typeface="Times New Roman" panose="02020603050405020304" pitchFamily="18" charset="0"/>
+                <a:cs typeface="Times New Roman" panose="02020603050405020304" pitchFamily="18" charset="0"/>
+              </a:rPr>
+              <a:t>accuracy</a:t>
+            </a:r>
+            <a:r>
+              <a:rPr lang="zh-CN" altLang="en-US" dirty="0">
+                <a:latin typeface="Times New Roman" panose="02020603050405020304" pitchFamily="18" charset="0"/>
+                <a:cs typeface="Times New Roman" panose="02020603050405020304" pitchFamily="18" charset="0"/>
+              </a:rPr>
+              <a:t> </a:t>
+            </a:r>
+            <a:r>
+              <a:rPr lang="en-US" altLang="zh-CN" dirty="0">
+                <a:latin typeface="Times New Roman" panose="02020603050405020304" pitchFamily="18" charset="0"/>
+                <a:cs typeface="Times New Roman" panose="02020603050405020304" pitchFamily="18" charset="0"/>
+              </a:rPr>
+              <a:t>of</a:t>
+            </a:r>
+            <a:r>
+              <a:rPr lang="zh-CN" altLang="en-US" dirty="0">
+                <a:latin typeface="Times New Roman" panose="02020603050405020304" pitchFamily="18" charset="0"/>
+                <a:cs typeface="Times New Roman" panose="02020603050405020304" pitchFamily="18" charset="0"/>
+              </a:rPr>
+              <a:t> </a:t>
+            </a:r>
+            <a:r>
+              <a:rPr lang="en-US" altLang="zh-CN" dirty="0">
+                <a:latin typeface="Times New Roman" panose="02020603050405020304" pitchFamily="18" charset="0"/>
+                <a:cs typeface="Times New Roman" panose="02020603050405020304" pitchFamily="18" charset="0"/>
+              </a:rPr>
+              <a:t>most</a:t>
+            </a:r>
+            <a:r>
+              <a:rPr lang="zh-CN" altLang="en-US" dirty="0">
+                <a:latin typeface="Times New Roman" panose="02020603050405020304" pitchFamily="18" charset="0"/>
+                <a:cs typeface="Times New Roman" panose="02020603050405020304" pitchFamily="18" charset="0"/>
+              </a:rPr>
+              <a:t> </a:t>
+            </a:r>
+            <a:r>
+              <a:rPr lang="en-US" altLang="zh-CN" dirty="0">
+                <a:latin typeface="Times New Roman" panose="02020603050405020304" pitchFamily="18" charset="0"/>
+                <a:cs typeface="Times New Roman" panose="02020603050405020304" pitchFamily="18" charset="0"/>
+              </a:rPr>
+              <a:t>likely</a:t>
+            </a:r>
+            <a:r>
+              <a:rPr lang="zh-CN" altLang="en-US" dirty="0">
+                <a:latin typeface="Times New Roman" panose="02020603050405020304" pitchFamily="18" charset="0"/>
+                <a:cs typeface="Times New Roman" panose="02020603050405020304" pitchFamily="18" charset="0"/>
+              </a:rPr>
+              <a:t> </a:t>
+            </a:r>
+            <a:r>
+              <a:rPr lang="en-US" altLang="zh-CN" dirty="0">
+                <a:latin typeface="Times New Roman" panose="02020603050405020304" pitchFamily="18" charset="0"/>
+                <a:cs typeface="Times New Roman" panose="02020603050405020304" pitchFamily="18" charset="0"/>
+              </a:rPr>
+              <a:t>probability</a:t>
+            </a:r>
+            <a:r>
+              <a:rPr lang="zh-CN" altLang="en-US" dirty="0">
+                <a:latin typeface="Times New Roman" panose="02020603050405020304" pitchFamily="18" charset="0"/>
+                <a:cs typeface="Times New Roman" panose="02020603050405020304" pitchFamily="18" charset="0"/>
+              </a:rPr>
+              <a:t> </a:t>
+            </a:r>
+            <a:r>
+              <a:rPr lang="en-US" altLang="zh-CN" dirty="0">
+                <a:latin typeface="Times New Roman" panose="02020603050405020304" pitchFamily="18" charset="0"/>
+                <a:cs typeface="Times New Roman" panose="02020603050405020304" pitchFamily="18" charset="0"/>
+              </a:rPr>
+              <a:t>in</a:t>
+            </a:r>
+            <a:r>
+              <a:rPr lang="zh-CN" altLang="en-US" dirty="0">
+                <a:latin typeface="Times New Roman" panose="02020603050405020304" pitchFamily="18" charset="0"/>
+                <a:cs typeface="Times New Roman" panose="02020603050405020304" pitchFamily="18" charset="0"/>
+              </a:rPr>
+              <a:t> </a:t>
+            </a:r>
+            <a:r>
+              <a:rPr lang="en-US" altLang="zh-CN" dirty="0">
+                <a:latin typeface="Times New Roman" panose="02020603050405020304" pitchFamily="18" charset="0"/>
+                <a:cs typeface="Times New Roman" panose="02020603050405020304" pitchFamily="18" charset="0"/>
+              </a:rPr>
+              <a:t>first</a:t>
+            </a:r>
+            <a:r>
+              <a:rPr lang="zh-CN" altLang="en-US" dirty="0">
+                <a:latin typeface="Times New Roman" panose="02020603050405020304" pitchFamily="18" charset="0"/>
+                <a:cs typeface="Times New Roman" panose="02020603050405020304" pitchFamily="18" charset="0"/>
+              </a:rPr>
+              <a:t> </a:t>
+            </a:r>
+            <a:r>
+              <a:rPr lang="en-US" altLang="zh-CN" dirty="0">
+                <a:latin typeface="Times New Roman" panose="02020603050405020304" pitchFamily="18" charset="0"/>
+                <a:cs typeface="Times New Roman" panose="02020603050405020304" pitchFamily="18" charset="0"/>
+              </a:rPr>
+              <a:t>latent</a:t>
+            </a:r>
+            <a:r>
+              <a:rPr lang="zh-CN" altLang="en-US" dirty="0">
+                <a:latin typeface="Times New Roman" panose="02020603050405020304" pitchFamily="18" charset="0"/>
+                <a:cs typeface="Times New Roman" panose="02020603050405020304" pitchFamily="18" charset="0"/>
+              </a:rPr>
+              <a:t> </a:t>
+            </a:r>
+            <a:r>
+              <a:rPr lang="en-US" altLang="zh-CN" dirty="0">
+                <a:latin typeface="Times New Roman" panose="02020603050405020304" pitchFamily="18" charset="0"/>
+                <a:cs typeface="Times New Roman" panose="02020603050405020304" pitchFamily="18" charset="0"/>
+              </a:rPr>
+              <a:t>class</a:t>
+            </a:r>
+            <a:r>
+              <a:rPr lang="zh-CN" altLang="en-US" dirty="0">
+                <a:latin typeface="Times New Roman" panose="02020603050405020304" pitchFamily="18" charset="0"/>
+                <a:cs typeface="Times New Roman" panose="02020603050405020304" pitchFamily="18" charset="0"/>
+              </a:rPr>
+              <a:t> </a:t>
+            </a:r>
+            <a:r>
+              <a:rPr lang="en-US" altLang="zh-CN" dirty="0">
+                <a:latin typeface="Times New Roman" panose="02020603050405020304" pitchFamily="18" charset="0"/>
+                <a:cs typeface="Times New Roman" panose="02020603050405020304" pitchFamily="18" charset="0"/>
+              </a:rPr>
+              <a:t>is</a:t>
+            </a:r>
+            <a:r>
+              <a:rPr lang="zh-CN" altLang="en-US" dirty="0">
+                <a:latin typeface="Times New Roman" panose="02020603050405020304" pitchFamily="18" charset="0"/>
+                <a:cs typeface="Times New Roman" panose="02020603050405020304" pitchFamily="18" charset="0"/>
+              </a:rPr>
+              <a:t> </a:t>
+            </a:r>
+            <a:r>
+              <a:rPr lang="en-US" altLang="zh-CN" dirty="0">
+                <a:latin typeface="Times New Roman" panose="02020603050405020304" pitchFamily="18" charset="0"/>
+                <a:cs typeface="Times New Roman" panose="02020603050405020304" pitchFamily="18" charset="0"/>
+              </a:rPr>
+              <a:t>low.</a:t>
             </a:r>
           </a:p>
           <a:p>
@@ -21082,216 +21474,6 @@
                 <a:cs typeface="Times New Roman" panose="02020603050405020304" pitchFamily="18" charset="0"/>
               </a:rPr>
               <a:t>casual.</a:t>
-            </a:r>
-            <a:r>
-              <a:rPr lang="zh-CN" altLang="en-US" dirty="0">
-                <a:latin typeface="Times New Roman" panose="02020603050405020304" pitchFamily="18" charset="0"/>
-                <a:cs typeface="Times New Roman" panose="02020603050405020304" pitchFamily="18" charset="0"/>
-              </a:rPr>
-              <a:t> </a:t>
-            </a:r>
-            <a:r>
-              <a:rPr lang="en-US" altLang="zh-CN" dirty="0">
-                <a:latin typeface="Times New Roman" panose="02020603050405020304" pitchFamily="18" charset="0"/>
-                <a:cs typeface="Times New Roman" panose="02020603050405020304" pitchFamily="18" charset="0"/>
-              </a:rPr>
-              <a:t>Since</a:t>
-            </a:r>
-            <a:r>
-              <a:rPr lang="zh-CN" altLang="en-US" dirty="0">
-                <a:latin typeface="Times New Roman" panose="02020603050405020304" pitchFamily="18" charset="0"/>
-                <a:cs typeface="Times New Roman" panose="02020603050405020304" pitchFamily="18" charset="0"/>
-              </a:rPr>
-              <a:t> </a:t>
-            </a:r>
-            <a:r>
-              <a:rPr lang="en-US" altLang="zh-CN" dirty="0">
-                <a:latin typeface="Times New Roman" panose="02020603050405020304" pitchFamily="18" charset="0"/>
-                <a:cs typeface="Times New Roman" panose="02020603050405020304" pitchFamily="18" charset="0"/>
-              </a:rPr>
-              <a:t>the</a:t>
-            </a:r>
-            <a:r>
-              <a:rPr lang="zh-CN" altLang="en-US" dirty="0">
-                <a:latin typeface="Times New Roman" panose="02020603050405020304" pitchFamily="18" charset="0"/>
-                <a:cs typeface="Times New Roman" panose="02020603050405020304" pitchFamily="18" charset="0"/>
-              </a:rPr>
-              <a:t> </a:t>
-            </a:r>
-            <a:r>
-              <a:rPr lang="en-US" altLang="zh-CN" dirty="0">
-                <a:latin typeface="Times New Roman" panose="02020603050405020304" pitchFamily="18" charset="0"/>
-                <a:cs typeface="Times New Roman" panose="02020603050405020304" pitchFamily="18" charset="0"/>
-              </a:rPr>
-              <a:t>ECPP</a:t>
-            </a:r>
-            <a:r>
-              <a:rPr lang="zh-CN" altLang="en-US" dirty="0">
-                <a:latin typeface="Times New Roman" panose="02020603050405020304" pitchFamily="18" charset="0"/>
-                <a:cs typeface="Times New Roman" panose="02020603050405020304" pitchFamily="18" charset="0"/>
-              </a:rPr>
-              <a:t> </a:t>
-            </a:r>
-            <a:r>
-              <a:rPr lang="en-US" altLang="zh-CN" dirty="0">
-                <a:latin typeface="Times New Roman" panose="02020603050405020304" pitchFamily="18" charset="0"/>
-                <a:cs typeface="Times New Roman" panose="02020603050405020304" pitchFamily="18" charset="0"/>
-              </a:rPr>
-              <a:t>is</a:t>
-            </a:r>
-            <a:r>
-              <a:rPr lang="zh-CN" altLang="en-US" dirty="0">
-                <a:latin typeface="Times New Roman" panose="02020603050405020304" pitchFamily="18" charset="0"/>
-                <a:cs typeface="Times New Roman" panose="02020603050405020304" pitchFamily="18" charset="0"/>
-              </a:rPr>
-              <a:t> </a:t>
-            </a:r>
-            <a:r>
-              <a:rPr lang="en-US" altLang="zh-CN" dirty="0">
-                <a:latin typeface="Times New Roman" panose="02020603050405020304" pitchFamily="18" charset="0"/>
-                <a:cs typeface="Times New Roman" panose="02020603050405020304" pitchFamily="18" charset="0"/>
-              </a:rPr>
-              <a:t>a</a:t>
-            </a:r>
-            <a:r>
-              <a:rPr lang="zh-CN" altLang="en-US" dirty="0">
-                <a:latin typeface="Times New Roman" panose="02020603050405020304" pitchFamily="18" charset="0"/>
-                <a:cs typeface="Times New Roman" panose="02020603050405020304" pitchFamily="18" charset="0"/>
-              </a:rPr>
-              <a:t> </a:t>
-            </a:r>
-            <a:r>
-              <a:rPr lang="en-US" altLang="zh-CN" dirty="0">
-                <a:latin typeface="Times New Roman" panose="02020603050405020304" pitchFamily="18" charset="0"/>
-                <a:cs typeface="Times New Roman" panose="02020603050405020304" pitchFamily="18" charset="0"/>
-              </a:rPr>
-              <a:t>longitudinal</a:t>
-            </a:r>
-            <a:r>
-              <a:rPr lang="zh-CN" altLang="en-US" dirty="0">
-                <a:latin typeface="Times New Roman" panose="02020603050405020304" pitchFamily="18" charset="0"/>
-                <a:cs typeface="Times New Roman" panose="02020603050405020304" pitchFamily="18" charset="0"/>
-              </a:rPr>
-              <a:t> </a:t>
-            </a:r>
-            <a:r>
-              <a:rPr lang="en-US" altLang="zh-CN" dirty="0">
-                <a:latin typeface="Times New Roman" panose="02020603050405020304" pitchFamily="18" charset="0"/>
-                <a:cs typeface="Times New Roman" panose="02020603050405020304" pitchFamily="18" charset="0"/>
-              </a:rPr>
-              <a:t>survey,</a:t>
-            </a:r>
-            <a:r>
-              <a:rPr lang="zh-CN" altLang="en-US" dirty="0">
-                <a:latin typeface="Times New Roman" panose="02020603050405020304" pitchFamily="18" charset="0"/>
-                <a:cs typeface="Times New Roman" panose="02020603050405020304" pitchFamily="18" charset="0"/>
-              </a:rPr>
-              <a:t> </a:t>
-            </a:r>
-            <a:r>
-              <a:rPr lang="en-US" altLang="zh-CN" dirty="0">
-                <a:latin typeface="Times New Roman" panose="02020603050405020304" pitchFamily="18" charset="0"/>
-                <a:cs typeface="Times New Roman" panose="02020603050405020304" pitchFamily="18" charset="0"/>
-              </a:rPr>
-              <a:t>it</a:t>
-            </a:r>
-            <a:r>
-              <a:rPr lang="zh-CN" altLang="en-US" dirty="0">
-                <a:latin typeface="Times New Roman" panose="02020603050405020304" pitchFamily="18" charset="0"/>
-                <a:cs typeface="Times New Roman" panose="02020603050405020304" pitchFamily="18" charset="0"/>
-              </a:rPr>
-              <a:t> </a:t>
-            </a:r>
-            <a:r>
-              <a:rPr lang="en-US" altLang="zh-CN" dirty="0">
-                <a:latin typeface="Times New Roman" panose="02020603050405020304" pitchFamily="18" charset="0"/>
-                <a:cs typeface="Times New Roman" panose="02020603050405020304" pitchFamily="18" charset="0"/>
-              </a:rPr>
-              <a:t>may</a:t>
-            </a:r>
-            <a:r>
-              <a:rPr lang="zh-CN" altLang="en-US" dirty="0">
-                <a:latin typeface="Times New Roman" panose="02020603050405020304" pitchFamily="18" charset="0"/>
-                <a:cs typeface="Times New Roman" panose="02020603050405020304" pitchFamily="18" charset="0"/>
-              </a:rPr>
-              <a:t> </a:t>
-            </a:r>
-            <a:r>
-              <a:rPr lang="en-US" altLang="zh-CN" dirty="0">
-                <a:latin typeface="Times New Roman" panose="02020603050405020304" pitchFamily="18" charset="0"/>
-                <a:cs typeface="Times New Roman" panose="02020603050405020304" pitchFamily="18" charset="0"/>
-              </a:rPr>
-              <a:t>have</a:t>
-            </a:r>
-            <a:r>
-              <a:rPr lang="zh-CN" altLang="en-US" dirty="0">
-                <a:latin typeface="Times New Roman" panose="02020603050405020304" pitchFamily="18" charset="0"/>
-                <a:cs typeface="Times New Roman" panose="02020603050405020304" pitchFamily="18" charset="0"/>
-              </a:rPr>
-              <a:t> </a:t>
-            </a:r>
-            <a:r>
-              <a:rPr lang="en-US" altLang="zh-CN" dirty="0">
-                <a:latin typeface="Times New Roman" panose="02020603050405020304" pitchFamily="18" charset="0"/>
-                <a:cs typeface="Times New Roman" panose="02020603050405020304" pitchFamily="18" charset="0"/>
-              </a:rPr>
-              <a:t>potential</a:t>
-            </a:r>
-            <a:r>
-              <a:rPr lang="zh-CN" altLang="en-US" dirty="0">
-                <a:latin typeface="Times New Roman" panose="02020603050405020304" pitchFamily="18" charset="0"/>
-                <a:cs typeface="Times New Roman" panose="02020603050405020304" pitchFamily="18" charset="0"/>
-              </a:rPr>
-              <a:t> </a:t>
-            </a:r>
-            <a:r>
-              <a:rPr lang="en-US" altLang="zh-CN" dirty="0">
-                <a:latin typeface="Times New Roman" panose="02020603050405020304" pitchFamily="18" charset="0"/>
-                <a:cs typeface="Times New Roman" panose="02020603050405020304" pitchFamily="18" charset="0"/>
-              </a:rPr>
-              <a:t>for</a:t>
-            </a:r>
-            <a:r>
-              <a:rPr lang="zh-CN" altLang="en-US" dirty="0">
-                <a:latin typeface="Times New Roman" panose="02020603050405020304" pitchFamily="18" charset="0"/>
-                <a:cs typeface="Times New Roman" panose="02020603050405020304" pitchFamily="18" charset="0"/>
-              </a:rPr>
-              <a:t> </a:t>
-            </a:r>
-            <a:r>
-              <a:rPr lang="en-US" altLang="zh-CN" dirty="0">
-                <a:latin typeface="Times New Roman" panose="02020603050405020304" pitchFamily="18" charset="0"/>
-                <a:cs typeface="Times New Roman" panose="02020603050405020304" pitchFamily="18" charset="0"/>
-              </a:rPr>
-              <a:t>exploring</a:t>
-            </a:r>
-            <a:r>
-              <a:rPr lang="zh-CN" altLang="en-US" dirty="0">
-                <a:latin typeface="Times New Roman" panose="02020603050405020304" pitchFamily="18" charset="0"/>
-                <a:cs typeface="Times New Roman" panose="02020603050405020304" pitchFamily="18" charset="0"/>
-              </a:rPr>
-              <a:t> </a:t>
-            </a:r>
-            <a:r>
-              <a:rPr lang="en-US" altLang="zh-CN" dirty="0">
-                <a:latin typeface="Times New Roman" panose="02020603050405020304" pitchFamily="18" charset="0"/>
-                <a:cs typeface="Times New Roman" panose="02020603050405020304" pitchFamily="18" charset="0"/>
-              </a:rPr>
-              <a:t>the</a:t>
-            </a:r>
-            <a:r>
-              <a:rPr lang="zh-CN" altLang="en-US" dirty="0">
-                <a:latin typeface="Times New Roman" panose="02020603050405020304" pitchFamily="18" charset="0"/>
-                <a:cs typeface="Times New Roman" panose="02020603050405020304" pitchFamily="18" charset="0"/>
-              </a:rPr>
-              <a:t> </a:t>
-            </a:r>
-            <a:r>
-              <a:rPr lang="en-US" altLang="zh-CN" dirty="0">
-                <a:latin typeface="Times New Roman" panose="02020603050405020304" pitchFamily="18" charset="0"/>
-                <a:cs typeface="Times New Roman" panose="02020603050405020304" pitchFamily="18" charset="0"/>
-              </a:rPr>
-              <a:t>causation.</a:t>
             </a:r>
             <a:r>
               <a:rPr lang="zh-CN" altLang="en-US" dirty="0">
@@ -21988,11 +22170,53 @@
           </a:p>
           <a:p>
             <a:r>
+              <a:rPr lang="en-US" altLang="zh-CN" sz="2800" dirty="0">
+                <a:latin typeface="Times New Roman" panose="02020603050405020304" pitchFamily="18" charset="0"/>
+                <a:cs typeface="Times New Roman" panose="02020603050405020304" pitchFamily="18" charset="0"/>
+              </a:rPr>
+              <a:t>Do</a:t>
+            </a:r>
+            <a:r>
+              <a:rPr lang="zh-CN" altLang="en-US" sz="2800" dirty="0">
+                <a:latin typeface="Times New Roman" panose="02020603050405020304" pitchFamily="18" charset="0"/>
+                <a:cs typeface="Times New Roman" panose="02020603050405020304" pitchFamily="18" charset="0"/>
+              </a:rPr>
+              <a:t> </a:t>
+            </a:r>
+            <a:r>
+              <a:rPr lang="en-US" altLang="zh-CN" sz="2800">
+                <a:latin typeface="Times New Roman" panose="02020603050405020304" pitchFamily="18" charset="0"/>
+                <a:cs typeface="Times New Roman" panose="02020603050405020304" pitchFamily="18" charset="0"/>
+              </a:rPr>
+              <a:t>l</a:t>
+            </a:r>
+            <a:r>
+              <a:rPr lang="en-US" sz="2800">
+                <a:latin typeface="Times New Roman" panose="02020603050405020304" pitchFamily="18" charset="0"/>
+                <a:cs typeface="Times New Roman" panose="02020603050405020304" pitchFamily="18" charset="0"/>
+              </a:rPr>
+              <a:t>atent class</a:t>
+            </a:r>
+            <a:r>
+              <a:rPr lang="en-US" altLang="zh-CN" sz="2800">
+                <a:latin typeface="Times New Roman" panose="02020603050405020304" pitchFamily="18" charset="0"/>
+                <a:cs typeface="Times New Roman" panose="02020603050405020304" pitchFamily="18" charset="0"/>
+              </a:rPr>
+              <a:t>es</a:t>
+            </a:r>
+            <a:r>
+              <a:rPr lang="en-US" sz="2800">
+                <a:latin typeface="Times New Roman" panose="02020603050405020304" pitchFamily="18" charset="0"/>
+                <a:cs typeface="Times New Roman" panose="02020603050405020304" pitchFamily="18" charset="0"/>
+              </a:rPr>
+              <a:t> </a:t>
+            </a:r>
+            <a:r>
               <a:rPr lang="en-US" sz="2800" dirty="0">
                 <a:latin typeface="Times New Roman" panose="02020603050405020304" pitchFamily="18" charset="0"/>
                 <a:cs typeface="Times New Roman" panose="02020603050405020304" pitchFamily="18" charset="0"/>
               </a:rPr>
-              <a:t>How does the background of children and the latent class together effect children’s learning?</a:t>
+              <a:t>effect children’s learning?</a:t>
             </a:r>
           </a:p>
         </p:txBody>
@@ -22325,181 +22549,6 @@
                 <a:cs typeface="Times New Roman" panose="02020603050405020304" pitchFamily="18" charset="0"/>
               </a:rPr>
               <a:t>children in the United States from birth through the age of 5 who were not yet enrolled in kindergarten by 2016.</a:t>
-            </a:r>
-            <a:r>
-              <a:rPr lang="zh-CN" altLang="en-US" sz="2000" dirty="0">
-                <a:latin typeface="Times New Roman" panose="02020603050405020304" pitchFamily="18" charset="0"/>
-                <a:cs typeface="Times New Roman" panose="02020603050405020304" pitchFamily="18" charset="0"/>
-              </a:rPr>
-              <a:t> </a:t>
-            </a:r>
-            <a:r>
-              <a:rPr lang="en-US" altLang="zh-CN" sz="2000" dirty="0">
-                <a:latin typeface="Times New Roman" panose="02020603050405020304" pitchFamily="18" charset="0"/>
-                <a:cs typeface="Times New Roman" panose="02020603050405020304" pitchFamily="18" charset="0"/>
-              </a:rPr>
-              <a:t>In</a:t>
-            </a:r>
-            <a:r>
-              <a:rPr lang="zh-CN" altLang="en-US" sz="2000" dirty="0">
-                <a:latin typeface="Times New Roman" panose="02020603050405020304" pitchFamily="18" charset="0"/>
-                <a:cs typeface="Times New Roman" panose="02020603050405020304" pitchFamily="18" charset="0"/>
-              </a:rPr>
-              <a:t> </a:t>
-            </a:r>
-            <a:r>
-              <a:rPr lang="en-US" altLang="zh-CN" sz="2000" dirty="0">
-                <a:latin typeface="Times New Roman" panose="02020603050405020304" pitchFamily="18" charset="0"/>
-                <a:cs typeface="Times New Roman" panose="02020603050405020304" pitchFamily="18" charset="0"/>
-              </a:rPr>
-              <a:t>this</a:t>
-            </a:r>
-            <a:r>
-              <a:rPr lang="zh-CN" altLang="en-US" sz="2000" dirty="0">
-                <a:latin typeface="Times New Roman" panose="02020603050405020304" pitchFamily="18" charset="0"/>
-                <a:cs typeface="Times New Roman" panose="02020603050405020304" pitchFamily="18" charset="0"/>
-              </a:rPr>
-              <a:t> </a:t>
-            </a:r>
-            <a:r>
-              <a:rPr lang="en-US" altLang="zh-CN" sz="2000" dirty="0">
-                <a:latin typeface="Times New Roman" panose="02020603050405020304" pitchFamily="18" charset="0"/>
-                <a:cs typeface="Times New Roman" panose="02020603050405020304" pitchFamily="18" charset="0"/>
-              </a:rPr>
-              <a:t>study,</a:t>
-            </a:r>
-            <a:r>
-              <a:rPr lang="zh-CN" altLang="en-US" sz="2000" dirty="0">
-                <a:latin typeface="Times New Roman" panose="02020603050405020304" pitchFamily="18" charset="0"/>
-                <a:cs typeface="Times New Roman" panose="02020603050405020304" pitchFamily="18" charset="0"/>
-              </a:rPr>
-              <a:t> </a:t>
-            </a:r>
-            <a:r>
-              <a:rPr lang="en-US" altLang="zh-CN" sz="2000" dirty="0">
-                <a:latin typeface="Times New Roman" panose="02020603050405020304" pitchFamily="18" charset="0"/>
-                <a:cs typeface="Times New Roman" panose="02020603050405020304" pitchFamily="18" charset="0"/>
-              </a:rPr>
-              <a:t>we</a:t>
-            </a:r>
-            <a:r>
-              <a:rPr lang="zh-CN" altLang="en-US" sz="2000" dirty="0">
-                <a:latin typeface="Times New Roman" panose="02020603050405020304" pitchFamily="18" charset="0"/>
-                <a:cs typeface="Times New Roman" panose="02020603050405020304" pitchFamily="18" charset="0"/>
-              </a:rPr>
-              <a:t> </a:t>
-            </a:r>
-            <a:r>
-              <a:rPr lang="en-US" altLang="zh-CN" sz="2000" dirty="0">
-                <a:latin typeface="Times New Roman" panose="02020603050405020304" pitchFamily="18" charset="0"/>
-                <a:cs typeface="Times New Roman" panose="02020603050405020304" pitchFamily="18" charset="0"/>
-              </a:rPr>
-              <a:t>only</a:t>
-            </a:r>
-            <a:r>
-              <a:rPr lang="zh-CN" altLang="en-US" sz="2000" dirty="0">
-                <a:latin typeface="Times New Roman" panose="02020603050405020304" pitchFamily="18" charset="0"/>
-                <a:cs typeface="Times New Roman" panose="02020603050405020304" pitchFamily="18" charset="0"/>
-              </a:rPr>
-              <a:t> </a:t>
-            </a:r>
-            <a:r>
-              <a:rPr lang="en-US" altLang="zh-CN" sz="2000" dirty="0">
-                <a:latin typeface="Times New Roman" panose="02020603050405020304" pitchFamily="18" charset="0"/>
-                <a:cs typeface="Times New Roman" panose="02020603050405020304" pitchFamily="18" charset="0"/>
-              </a:rPr>
-              <a:t>keep</a:t>
-            </a:r>
-            <a:r>
-              <a:rPr lang="zh-CN" altLang="en-US" sz="2000" dirty="0">
-                <a:latin typeface="Times New Roman" panose="02020603050405020304" pitchFamily="18" charset="0"/>
-                <a:cs typeface="Times New Roman" panose="02020603050405020304" pitchFamily="18" charset="0"/>
-              </a:rPr>
-              <a:t> </a:t>
-            </a:r>
-            <a:r>
-              <a:rPr lang="en-US" altLang="zh-CN" sz="2000" dirty="0">
-                <a:latin typeface="Times New Roman" panose="02020603050405020304" pitchFamily="18" charset="0"/>
-                <a:cs typeface="Times New Roman" panose="02020603050405020304" pitchFamily="18" charset="0"/>
-              </a:rPr>
-              <a:t>the</a:t>
-            </a:r>
-            <a:r>
-              <a:rPr lang="zh-CN" altLang="en-US" sz="2000" dirty="0">
-                <a:latin typeface="Times New Roman" panose="02020603050405020304" pitchFamily="18" charset="0"/>
-                <a:cs typeface="Times New Roman" panose="02020603050405020304" pitchFamily="18" charset="0"/>
-              </a:rPr>
-              <a:t> </a:t>
-            </a:r>
-            <a:r>
-              <a:rPr lang="en-US" altLang="zh-CN" sz="2000" b="1" dirty="0">
-                <a:latin typeface="Times New Roman" panose="02020603050405020304" pitchFamily="18" charset="0"/>
-                <a:cs typeface="Times New Roman" panose="02020603050405020304" pitchFamily="18" charset="0"/>
-              </a:rPr>
-              <a:t>children</a:t>
-            </a:r>
-            <a:r>
-              <a:rPr lang="zh-CN" altLang="en-US" sz="2000" b="1" dirty="0">
-                <a:latin typeface="Times New Roman" panose="02020603050405020304" pitchFamily="18" charset="0"/>
-                <a:cs typeface="Times New Roman" panose="02020603050405020304" pitchFamily="18" charset="0"/>
-              </a:rPr>
-              <a:t> </a:t>
-            </a:r>
-            <a:r>
-              <a:rPr lang="en-US" altLang="zh-CN" sz="2000" b="1" dirty="0">
-                <a:latin typeface="Times New Roman" panose="02020603050405020304" pitchFamily="18" charset="0"/>
-                <a:cs typeface="Times New Roman" panose="02020603050405020304" pitchFamily="18" charset="0"/>
-              </a:rPr>
-              <a:t>older</a:t>
-            </a:r>
-            <a:r>
-              <a:rPr lang="zh-CN" altLang="en-US" sz="2000" b="1" dirty="0">
-                <a:latin typeface="Times New Roman" panose="02020603050405020304" pitchFamily="18" charset="0"/>
-                <a:cs typeface="Times New Roman" panose="02020603050405020304" pitchFamily="18" charset="0"/>
-              </a:rPr>
-              <a:t> </a:t>
-            </a:r>
-            <a:r>
-              <a:rPr lang="en-US" altLang="zh-CN" sz="2000" b="1" dirty="0">
-                <a:latin typeface="Times New Roman" panose="02020603050405020304" pitchFamily="18" charset="0"/>
-                <a:cs typeface="Times New Roman" panose="02020603050405020304" pitchFamily="18" charset="0"/>
-              </a:rPr>
-              <a:t>than</a:t>
-            </a:r>
-            <a:r>
-              <a:rPr lang="zh-CN" altLang="en-US" sz="2000" b="1" dirty="0">
-                <a:latin typeface="Times New Roman" panose="02020603050405020304" pitchFamily="18" charset="0"/>
-                <a:cs typeface="Times New Roman" panose="02020603050405020304" pitchFamily="18" charset="0"/>
-              </a:rPr>
-              <a:t> </a:t>
-            </a:r>
-            <a:r>
-              <a:rPr lang="en-US" altLang="zh-CN" sz="2000" b="1" dirty="0">
-                <a:latin typeface="Times New Roman" panose="02020603050405020304" pitchFamily="18" charset="0"/>
-                <a:cs typeface="Times New Roman" panose="02020603050405020304" pitchFamily="18" charset="0"/>
-              </a:rPr>
-              <a:t>2</a:t>
-            </a:r>
-            <a:r>
-              <a:rPr lang="zh-CN" altLang="en-US" sz="2000" b="1" dirty="0">
-                <a:latin typeface="Times New Roman" panose="02020603050405020304" pitchFamily="18" charset="0"/>
-                <a:cs typeface="Times New Roman" panose="02020603050405020304" pitchFamily="18" charset="0"/>
-              </a:rPr>
-              <a:t> </a:t>
-            </a:r>
-            <a:r>
-              <a:rPr lang="en-US" altLang="zh-CN" sz="2000" b="1" dirty="0">
-                <a:latin typeface="Times New Roman" panose="02020603050405020304" pitchFamily="18" charset="0"/>
-                <a:cs typeface="Times New Roman" panose="02020603050405020304" pitchFamily="18" charset="0"/>
-              </a:rPr>
-              <a:t>years</a:t>
-            </a:r>
-            <a:r>
-              <a:rPr lang="en-US" altLang="zh-CN" sz="2000" dirty="0">
-                <a:latin typeface="Times New Roman" panose="02020603050405020304" pitchFamily="18" charset="0"/>
-                <a:cs typeface="Times New Roman" panose="02020603050405020304" pitchFamily="18" charset="0"/>
-              </a:rPr>
-              <a:t>.</a:t>
             </a:r>
             <a:r>
               <a:rPr lang="zh-CN" altLang="en-US" sz="2000" dirty="0">
@@ -22874,7 +22923,7 @@
             </a:r>
             <a:r>
               <a:rPr lang="en-US" altLang="zh-CN" dirty="0"/>
-              <a:t>LDA</a:t>
+              <a:t>LCA</a:t>
             </a:r>
             <a:r>
               <a:rPr lang="zh-CN" altLang="en-US" dirty="0"/>
@@ -23659,7 +23708,7 @@
                 <a:latin typeface="Times New Roman" panose="02020603050405020304" pitchFamily="18" charset="0"/>
                 <a:cs typeface="Times New Roman" panose="02020603050405020304" pitchFamily="18" charset="0"/>
               </a:rPr>
-              <a:t>LDA</a:t>
+              <a:t>LCA</a:t>
             </a:r>
             <a:r>
               <a:rPr lang="zh-CN" altLang="en-US" dirty="0">
@@ -24081,7 +24130,7 @@
             </a:r>
             <a:r>
               <a:rPr lang="en-US" altLang="zh-CN" dirty="0"/>
-              <a:t>LDA</a:t>
+              <a:t>LCA</a:t>
             </a:r>
             <a:r>
               <a:rPr lang="zh-CN" altLang="en-US" dirty="0"/>
@@ -24097,10 +24146,10 @@
       </p:sp>
       <p:pic>
         <p:nvPicPr>
-          <p:cNvPr id="6" name="Picture 5">
+          <p:cNvPr id="4" name="Picture 3">
             <a:extLst>
               <a:ext uri="{FF2B5EF4-FFF2-40B4-BE49-F238E27FC236}">
-                <a16:creationId xmlns:a16="http://schemas.microsoft.com/office/drawing/2014/main" id="{D55BA01B-135B-8148-A356-7C23304254D4}"/>
+                <a16:creationId xmlns:a16="http://schemas.microsoft.com/office/drawing/2014/main" id="{66D16486-3D26-8046-9035-AFB283D51A99}"/>
               </a:ext>
             </a:extLst>
           </p:cNvPr>
@@ -24117,8 +24166,8 @@
         </p:blipFill>
         <p:spPr>
           <a:xfrm>
-            <a:off x="1374388" y="1992661"/>
-            <a:ext cx="9220200" cy="3987800"/>
+            <a:off x="306942" y="1475961"/>
+            <a:ext cx="10358915" cy="4500770"/>
           </a:xfrm>
           <a:prstGeom prst="rect">
             <a:avLst/>
@@ -27565,7 +27614,7 @@
                 <a:latin typeface="Times New Roman" panose="02020603050405020304" pitchFamily="18" charset="0"/>
                 <a:cs typeface="Times New Roman" panose="02020603050405020304" pitchFamily="18" charset="0"/>
               </a:rPr>
-              <a:t>LDA</a:t>
+              <a:t>LCA</a:t>
             </a:r>
             <a:r>
               <a:rPr lang="zh-CN" altLang="en-US" sz="1400" dirty="0">
